--- a/lesson3/class1.pptx
+++ b/lesson3/class1.pptx
@@ -3110,6 +3110,13 @@
   <p:clrMapOvr>
     <a:masterClrMapping/>
   </p:clrMapOvr>
+  <p:timing>
+    <p:tnLst>
+      <p:par>
+        <p:cTn id="1" dur="indefinite" restart="never" nodeType="tmRoot"/>
+      </p:par>
+    </p:tnLst>
+  </p:timing>
 </p:sld>
 </file>
 
@@ -3198,22 +3205,14 @@
             <a:pPr lvl="1"/>
             <a:r>
               <a:rPr lang="zh-CN" altLang="en-US" dirty="0" smtClean="0"/>
-              <a:t>抽</a:t>
-            </a:r>
+              <a:t>抽象的一类事物（对象）的特征定义</a:t>
+            </a:r>
+            <a:endParaRPr lang="en-US" altLang="zh-CN" dirty="0" smtClean="0"/>
+          </a:p>
+          <a:p>
             <a:r>
               <a:rPr lang="zh-CN" altLang="en-US" dirty="0" smtClean="0"/>
-              <a:t>象的一类事物（对象）的特征定义</a:t>
-            </a:r>
-            <a:endParaRPr lang="en-US" altLang="zh-CN" dirty="0" smtClean="0"/>
-          </a:p>
-          <a:p>
-            <a:r>
-              <a:rPr lang="zh-CN" altLang="en-US" dirty="0" smtClean="0"/>
-              <a:t>如</a:t>
-            </a:r>
-            <a:r>
-              <a:rPr lang="zh-CN" altLang="en-US" dirty="0" smtClean="0"/>
-              <a:t>何使用？</a:t>
+              <a:t>如何使用？</a:t>
             </a:r>
             <a:r>
               <a:rPr lang="en-US" altLang="zh-CN" dirty="0" smtClean="0"/>
@@ -3224,22 +3223,14 @@
             <a:pPr lvl="1"/>
             <a:r>
               <a:rPr lang="zh-CN" altLang="en-US" dirty="0" smtClean="0"/>
-              <a:t>参</a:t>
-            </a:r>
+              <a:t>参见下页</a:t>
+            </a:r>
+            <a:endParaRPr lang="en-US" altLang="zh-CN" dirty="0" smtClean="0"/>
+          </a:p>
+          <a:p>
             <a:r>
               <a:rPr lang="zh-CN" altLang="en-US" dirty="0" smtClean="0"/>
-              <a:t>见下页</a:t>
-            </a:r>
-            <a:endParaRPr lang="en-US" altLang="zh-CN" dirty="0" smtClean="0"/>
-          </a:p>
-          <a:p>
-            <a:r>
-              <a:rPr lang="zh-CN" altLang="en-US" dirty="0" smtClean="0"/>
-              <a:t>为什</a:t>
-            </a:r>
-            <a:r>
-              <a:rPr lang="zh-CN" altLang="en-US" dirty="0" smtClean="0"/>
-              <a:t>么使用？</a:t>
+              <a:t>为什么使用？</a:t>
             </a:r>
             <a:r>
               <a:rPr lang="en-US" altLang="zh-CN" dirty="0" smtClean="0"/>
@@ -3250,11 +3241,7 @@
             <a:pPr lvl="1"/>
             <a:r>
               <a:rPr lang="zh-CN" altLang="en-US" dirty="0" smtClean="0"/>
-              <a:t>代</a:t>
-            </a:r>
-            <a:r>
-              <a:rPr lang="zh-CN" altLang="en-US" dirty="0" smtClean="0"/>
-              <a:t>码复用</a:t>
+              <a:t>代码复用</a:t>
             </a:r>
             <a:endParaRPr lang="en-US" altLang="zh-CN" dirty="0" smtClean="0"/>
           </a:p>
@@ -3273,6 +3260,13 @@
   <p:clrMapOvr>
     <a:masterClrMapping/>
   </p:clrMapOvr>
+  <p:timing>
+    <p:tnLst>
+      <p:par>
+        <p:cTn id="1" dur="indefinite" restart="never" nodeType="tmRoot"/>
+      </p:par>
+    </p:tnLst>
+  </p:timing>
 </p:sld>
 </file>
 
@@ -3333,23 +3327,15 @@
           <a:p>
             <a:r>
               <a:rPr lang="zh-CN" altLang="en-US" dirty="0" smtClean="0"/>
-              <a:t>本</a:t>
-            </a:r>
+              <a:t>本节只关注最为基本的语法</a:t>
+            </a:r>
+            <a:endParaRPr lang="en-US" altLang="zh-CN" dirty="0" smtClean="0"/>
+          </a:p>
+          <a:p>
+            <a:pPr lvl="1"/>
             <a:r>
               <a:rPr lang="zh-CN" altLang="en-US" dirty="0" smtClean="0"/>
-              <a:t>节只关注最为基本的语法</a:t>
-            </a:r>
-            <a:endParaRPr lang="en-US" altLang="zh-CN" dirty="0" smtClean="0"/>
-          </a:p>
-          <a:p>
-            <a:pPr lvl="1"/>
-            <a:r>
-              <a:rPr lang="zh-CN" altLang="en-US" dirty="0" smtClean="0"/>
-              <a:t>定</a:t>
-            </a:r>
-            <a:r>
-              <a:rPr lang="zh-CN" altLang="en-US" dirty="0" smtClean="0"/>
-              <a:t>义类</a:t>
+              <a:t>定义类</a:t>
             </a:r>
             <a:endParaRPr lang="en-US" altLang="zh-CN" dirty="0" smtClean="0"/>
           </a:p>
@@ -3366,6 +3352,14 @@
             <a:r>
               <a:rPr lang="zh-CN" altLang="en-US" dirty="0" smtClean="0"/>
               <a:t>类的成员方法</a:t>
+            </a:r>
+            <a:endParaRPr lang="en-US" altLang="zh-CN" dirty="0" smtClean="0"/>
+          </a:p>
+          <a:p>
+            <a:pPr lvl="1"/>
+            <a:r>
+              <a:rPr lang="zh-CN" altLang="en-US" dirty="0" smtClean="0"/>
+              <a:t>构造方法</a:t>
             </a:r>
             <a:endParaRPr lang="zh-CN" altLang="en-US" dirty="0"/>
           </a:p>
@@ -3376,6 +3370,13 @@
   <p:clrMapOvr>
     <a:masterClrMapping/>
   </p:clrMapOvr>
+  <p:timing>
+    <p:tnLst>
+      <p:par>
+        <p:cTn id="1" dur="indefinite" restart="never" nodeType="tmRoot"/>
+      </p:par>
+    </p:tnLst>
+  </p:timing>
 </p:sld>
 </file>
 
@@ -3443,11 +3444,11 @@
             <a:pPr lvl="1"/>
             <a:r>
               <a:rPr lang="zh-CN" altLang="en-US" dirty="0" smtClean="0"/>
-              <a:t>属</a:t>
+              <a:t>属性：姓名，性别，年</a:t>
             </a:r>
             <a:r>
               <a:rPr lang="zh-CN" altLang="en-US" dirty="0" smtClean="0"/>
-              <a:t>性：姓名，性别，年龄，生日</a:t>
+              <a:t>龄</a:t>
             </a:r>
             <a:endParaRPr lang="en-US" altLang="zh-CN" dirty="0" smtClean="0"/>
           </a:p>
@@ -3455,11 +3456,19 @@
             <a:pPr lvl="1"/>
             <a:r>
               <a:rPr lang="zh-CN" altLang="en-US" dirty="0" smtClean="0"/>
-              <a:t>方</a:t>
+              <a:t>方法：获得姓名，获得性别，获得</a:t>
+            </a:r>
+            <a:r>
+              <a:rPr lang="zh-CN" altLang="en-US" smtClean="0"/>
+              <a:t>年</a:t>
+            </a:r>
+            <a:r>
+              <a:rPr lang="zh-CN" altLang="en-US" smtClean="0"/>
+              <a:t>龄，</a:t>
             </a:r>
             <a:r>
               <a:rPr lang="zh-CN" altLang="en-US" dirty="0" smtClean="0"/>
-              <a:t>法：获得姓名，获得性别，获得年龄，获得生日，可以结婚吗</a:t>
+              <a:t>可以结婚吗</a:t>
             </a:r>
             <a:endParaRPr lang="en-US" altLang="zh-CN" dirty="0" smtClean="0"/>
           </a:p>
@@ -3474,6 +3483,13 @@
   <p:clrMapOvr>
     <a:masterClrMapping/>
   </p:clrMapOvr>
+  <p:timing>
+    <p:tnLst>
+      <p:par>
+        <p:cTn id="1" dur="indefinite" restart="never" nodeType="tmRoot"/>
+      </p:par>
+    </p:tnLst>
+  </p:timing>
 </p:sld>
 </file>
 
@@ -3534,11 +3550,7 @@
           <a:p>
             <a:r>
               <a:rPr lang="zh-CN" altLang="en-US" dirty="0" smtClean="0"/>
-              <a:t>按照</a:t>
-            </a:r>
-            <a:r>
-              <a:rPr lang="zh-CN" altLang="en-US" dirty="0" smtClean="0"/>
-              <a:t>上页中的要求，完成类</a:t>
+              <a:t>按照上页中的要求，完成类</a:t>
             </a:r>
             <a:endParaRPr lang="en-US" altLang="zh-CN" dirty="0" smtClean="0"/>
           </a:p>
@@ -3552,31 +3564,15 @@
             <a:pPr lvl="1"/>
             <a:r>
               <a:rPr lang="zh-CN" altLang="en-US" dirty="0" smtClean="0"/>
-              <a:t>属</a:t>
-            </a:r>
+              <a:t>属性：姓名，年龄，生日，身高</a:t>
+            </a:r>
+            <a:endParaRPr lang="en-US" altLang="zh-CN" dirty="0" smtClean="0"/>
+          </a:p>
+          <a:p>
+            <a:pPr lvl="1"/>
             <a:r>
               <a:rPr lang="zh-CN" altLang="en-US" dirty="0" smtClean="0"/>
-              <a:t>性：姓名，年龄，生日，身高</a:t>
-            </a:r>
-            <a:endParaRPr lang="en-US" altLang="zh-CN" dirty="0" smtClean="0"/>
-          </a:p>
-          <a:p>
-            <a:pPr lvl="1"/>
-            <a:r>
-              <a:rPr lang="zh-CN" altLang="en-US" dirty="0" smtClean="0"/>
-              <a:t>方</a:t>
-            </a:r>
-            <a:r>
-              <a:rPr lang="zh-CN" altLang="en-US" dirty="0" smtClean="0"/>
-              <a:t>法：</a:t>
-            </a:r>
-            <a:r>
-              <a:rPr lang="zh-CN" altLang="en-US" dirty="0" smtClean="0"/>
-              <a:t>获得姓名，获得性别，获得年龄，获得生日，可以结婚</a:t>
-            </a:r>
-            <a:r>
-              <a:rPr lang="zh-CN" altLang="en-US" dirty="0" smtClean="0"/>
-              <a:t>吗，获得身高</a:t>
+              <a:t>方法：获得姓名，获得性别，获得年龄，获得生日，可以结婚吗，获得身高</a:t>
             </a:r>
             <a:endParaRPr lang="en-US" altLang="zh-CN" dirty="0" smtClean="0"/>
           </a:p>

--- a/lesson3/class1.pptx
+++ b/lesson3/class1.pptx
@@ -9,7 +9,11 @@
     <p:sldId id="257" r:id="rId3"/>
     <p:sldId id="258" r:id="rId4"/>
     <p:sldId id="259" r:id="rId5"/>
-    <p:sldId id="260" r:id="rId6"/>
+    <p:sldId id="261" r:id="rId6"/>
+    <p:sldId id="263" r:id="rId7"/>
+    <p:sldId id="262" r:id="rId8"/>
+    <p:sldId id="264" r:id="rId9"/>
+    <p:sldId id="260" r:id="rId10"/>
   </p:sldIdLst>
   <p:sldSz cx="9144000" cy="6858000" type="screen4x3"/>
   <p:notesSz cx="6858000" cy="9144000"/>
@@ -3444,11 +3448,7 @@
             <a:pPr lvl="1"/>
             <a:r>
               <a:rPr lang="zh-CN" altLang="en-US" dirty="0" smtClean="0"/>
-              <a:t>属性：姓名，性别，年</a:t>
-            </a:r>
-            <a:r>
-              <a:rPr lang="zh-CN" altLang="en-US" dirty="0" smtClean="0"/>
-              <a:t>龄</a:t>
+              <a:t>属性：姓名，性别，年龄</a:t>
             </a:r>
             <a:endParaRPr lang="en-US" altLang="zh-CN" dirty="0" smtClean="0"/>
           </a:p>
@@ -3460,11 +3460,7 @@
             </a:r>
             <a:r>
               <a:rPr lang="zh-CN" altLang="en-US" smtClean="0"/>
-              <a:t>年</a:t>
-            </a:r>
-            <a:r>
-              <a:rPr lang="zh-CN" altLang="en-US" smtClean="0"/>
-              <a:t>龄，</a:t>
+              <a:t>年龄，</a:t>
             </a:r>
             <a:r>
               <a:rPr lang="zh-CN" altLang="en-US" dirty="0" smtClean="0"/>
@@ -3527,7 +3523,11 @@
           <a:p>
             <a:r>
               <a:rPr lang="zh-CN" altLang="en-US" dirty="0" smtClean="0"/>
-              <a:t>练习</a:t>
+              <a:t>定</a:t>
+            </a:r>
+            <a:r>
+              <a:rPr lang="zh-CN" altLang="en-US" dirty="0" smtClean="0"/>
+              <a:t>义类代码结构</a:t>
             </a:r>
             <a:endParaRPr lang="zh-CN" altLang="en-US" dirty="0"/>
           </a:p>
@@ -3543,40 +3543,330 @@
             <p:ph idx="1"/>
           </p:nvPr>
         </p:nvSpPr>
-        <p:spPr/>
-        <p:txBody>
-          <a:bodyPr/>
-          <a:lstStyle/>
-          <a:p>
-            <a:r>
-              <a:rPr lang="zh-CN" altLang="en-US" dirty="0" smtClean="0"/>
-              <a:t>按照上页中的要求，完成类</a:t>
-            </a:r>
+        <p:spPr>
+          <a:xfrm>
+            <a:off x="251520" y="1196752"/>
+            <a:ext cx="8712968" cy="5472608"/>
+          </a:xfrm>
+        </p:spPr>
+        <p:txBody>
+          <a:bodyPr>
+            <a:normAutofit fontScale="70000" lnSpcReduction="20000"/>
+          </a:bodyPr>
+          <a:lstStyle/>
+          <a:p>
+            <a:pPr>
+              <a:buNone/>
+            </a:pPr>
             <a:endParaRPr lang="en-US" altLang="zh-CN" dirty="0" smtClean="0"/>
           </a:p>
           <a:p>
-            <a:r>
-              <a:rPr lang="en-US" altLang="zh-CN" dirty="0" smtClean="0"/>
-              <a:t>Man</a:t>
-            </a:r>
-          </a:p>
-          <a:p>
-            <a:pPr lvl="1"/>
-            <a:r>
-              <a:rPr lang="zh-CN" altLang="en-US" dirty="0" smtClean="0"/>
-              <a:t>属性：姓名，年龄，生日，身高</a:t>
+            <a:pPr>
+              <a:buNone/>
+            </a:pPr>
+            <a:r>
+              <a:rPr lang="en-US" altLang="zh-CN" dirty="0" smtClean="0"/>
+              <a:t>// </a:t>
+            </a:r>
+            <a:r>
+              <a:rPr lang="zh-CN" altLang="en-US" dirty="0" smtClean="0"/>
+              <a:t>定义类</a:t>
             </a:r>
             <a:endParaRPr lang="en-US" altLang="zh-CN" dirty="0" smtClean="0"/>
           </a:p>
           <a:p>
-            <a:pPr lvl="1"/>
-            <a:r>
-              <a:rPr lang="zh-CN" altLang="en-US" dirty="0" smtClean="0"/>
-              <a:t>方法：获得姓名，获得性别，获得年龄，获得生日，可以结婚吗，获得身高</a:t>
+            <a:pPr>
+              <a:buNone/>
+            </a:pPr>
+            <a:r>
+              <a:rPr lang="en-US" altLang="zh-CN" dirty="0" smtClean="0"/>
+              <a:t>p</a:t>
+            </a:r>
+            <a:r>
+              <a:rPr lang="en-US" altLang="zh-CN" dirty="0" smtClean="0"/>
+              <a:t>ublic </a:t>
+            </a:r>
+            <a:r>
+              <a:rPr lang="en-US" altLang="zh-CN" b="1" dirty="0" smtClean="0"/>
+              <a:t>class</a:t>
+            </a:r>
+            <a:r>
+              <a:rPr lang="en-US" altLang="zh-CN" dirty="0" smtClean="0"/>
+              <a:t> </a:t>
+            </a:r>
+            <a:r>
+              <a:rPr lang="en-US" altLang="zh-CN" dirty="0" err="1" smtClean="0"/>
+              <a:t>ClassName</a:t>
+            </a:r>
+            <a:r>
+              <a:rPr lang="en-US" altLang="zh-CN" dirty="0" smtClean="0"/>
+              <a:t>{</a:t>
+            </a:r>
+          </a:p>
+          <a:p>
+            <a:pPr>
+              <a:buNone/>
+            </a:pPr>
+            <a:r>
+              <a:rPr lang="en-US" altLang="zh-CN" dirty="0" smtClean="0"/>
+              <a:t> </a:t>
+            </a:r>
+            <a:r>
+              <a:rPr lang="en-US" altLang="zh-CN" dirty="0" smtClean="0"/>
+              <a:t>       // </a:t>
+            </a:r>
+            <a:r>
+              <a:rPr lang="zh-CN" altLang="en-US" dirty="0" smtClean="0"/>
+              <a:t>构造函数</a:t>
             </a:r>
             <a:endParaRPr lang="en-US" altLang="zh-CN" dirty="0" smtClean="0"/>
           </a:p>
           <a:p>
+            <a:pPr>
+              <a:buNone/>
+            </a:pPr>
+            <a:r>
+              <a:rPr lang="en-US" altLang="zh-CN" dirty="0" smtClean="0"/>
+              <a:t> </a:t>
+            </a:r>
+            <a:r>
+              <a:rPr lang="en-US" altLang="zh-CN" dirty="0" smtClean="0"/>
+              <a:t>       public </a:t>
+            </a:r>
+            <a:r>
+              <a:rPr lang="en-US" altLang="zh-CN" dirty="0" err="1" smtClean="0"/>
+              <a:t>ClassName</a:t>
+            </a:r>
+            <a:r>
+              <a:rPr lang="en-US" altLang="zh-CN" dirty="0" smtClean="0"/>
+              <a:t>(&lt;</a:t>
+            </a:r>
+            <a:r>
+              <a:rPr lang="en-US" altLang="zh-CN" dirty="0" smtClean="0"/>
+              <a:t>type&gt; var1, &lt;type&gt; var2, </a:t>
+            </a:r>
+            <a:r>
+              <a:rPr lang="en-US" altLang="zh-CN" dirty="0" smtClean="0"/>
+              <a:t>…){</a:t>
+            </a:r>
+          </a:p>
+          <a:p>
+            <a:pPr>
+              <a:buNone/>
+            </a:pPr>
+            <a:r>
+              <a:rPr lang="en-US" altLang="zh-CN" dirty="0" smtClean="0"/>
+              <a:t> </a:t>
+            </a:r>
+            <a:r>
+              <a:rPr lang="en-US" altLang="zh-CN" dirty="0" smtClean="0"/>
+              <a:t>          // </a:t>
+            </a:r>
+            <a:r>
+              <a:rPr lang="zh-CN" altLang="en-US" dirty="0" smtClean="0"/>
+              <a:t>相应的赋值</a:t>
+            </a:r>
+            <a:endParaRPr lang="en-US" altLang="zh-CN" dirty="0" smtClean="0"/>
+          </a:p>
+          <a:p>
+            <a:pPr>
+              <a:buNone/>
+            </a:pPr>
+            <a:r>
+              <a:rPr lang="en-US" altLang="zh-CN" dirty="0" smtClean="0"/>
+              <a:t> </a:t>
+            </a:r>
+            <a:r>
+              <a:rPr lang="en-US" altLang="zh-CN" dirty="0" smtClean="0"/>
+              <a:t>       }</a:t>
+            </a:r>
+          </a:p>
+          <a:p>
+            <a:pPr>
+              <a:buNone/>
+            </a:pPr>
+            <a:r>
+              <a:rPr lang="en-US" altLang="zh-CN" dirty="0" smtClean="0"/>
+              <a:t>	</a:t>
+            </a:r>
+            <a:r>
+              <a:rPr lang="en-US" altLang="zh-CN" dirty="0" smtClean="0"/>
+              <a:t>	//</a:t>
+            </a:r>
+            <a:r>
+              <a:rPr lang="zh-CN" altLang="en-US" dirty="0" smtClean="0"/>
+              <a:t>成员变量</a:t>
+            </a:r>
+            <a:endParaRPr lang="en-US" altLang="zh-CN" dirty="0" smtClean="0"/>
+          </a:p>
+          <a:p>
+            <a:pPr lvl="1">
+              <a:buNone/>
+            </a:pPr>
+            <a:r>
+              <a:rPr lang="en-US" altLang="zh-CN" dirty="0" smtClean="0"/>
+              <a:t>   &lt;</a:t>
+            </a:r>
+            <a:r>
+              <a:rPr lang="en-US" altLang="zh-CN" dirty="0" err="1" smtClean="0"/>
+              <a:t>accessor_keyword</a:t>
+            </a:r>
+            <a:r>
+              <a:rPr lang="en-US" altLang="zh-CN" dirty="0" smtClean="0"/>
+              <a:t>&gt; &lt;type&gt; </a:t>
+            </a:r>
+            <a:r>
+              <a:rPr lang="en-US" altLang="zh-CN" dirty="0" err="1" smtClean="0"/>
+              <a:t>var_name</a:t>
+            </a:r>
+            <a:r>
+              <a:rPr lang="en-US" altLang="zh-CN" dirty="0" smtClean="0"/>
+              <a:t>;</a:t>
+            </a:r>
+          </a:p>
+          <a:p>
+            <a:pPr lvl="1">
+              <a:buNone/>
+            </a:pPr>
+            <a:r>
+              <a:rPr lang="en-US" altLang="zh-CN" dirty="0" smtClean="0"/>
+              <a:t> </a:t>
+            </a:r>
+            <a:r>
+              <a:rPr lang="en-US" altLang="zh-CN" dirty="0" smtClean="0"/>
+              <a:t>   // </a:t>
+            </a:r>
+            <a:r>
+              <a:rPr lang="zh-CN" altLang="en-US" dirty="0" smtClean="0"/>
+              <a:t>成员方法</a:t>
+            </a:r>
+            <a:endParaRPr lang="en-US" altLang="zh-CN" dirty="0" smtClean="0"/>
+          </a:p>
+          <a:p>
+            <a:pPr lvl="1">
+              <a:buNone/>
+            </a:pPr>
+            <a:r>
+              <a:rPr lang="en-US" altLang="zh-CN" dirty="0" smtClean="0"/>
+              <a:t> </a:t>
+            </a:r>
+            <a:r>
+              <a:rPr lang="en-US" altLang="zh-CN" dirty="0" smtClean="0"/>
+              <a:t>  &lt;</a:t>
+            </a:r>
+            <a:r>
+              <a:rPr lang="en-US" altLang="zh-CN" dirty="0" err="1" smtClean="0"/>
+              <a:t>accessor_keyword</a:t>
+            </a:r>
+            <a:r>
+              <a:rPr lang="en-US" altLang="zh-CN" dirty="0" smtClean="0"/>
+              <a:t>&gt; &lt;type&gt; </a:t>
+            </a:r>
+            <a:r>
+              <a:rPr lang="en-US" altLang="zh-CN" dirty="0" err="1" smtClean="0"/>
+              <a:t>method_name</a:t>
+            </a:r>
+            <a:r>
+              <a:rPr lang="en-US" altLang="zh-CN" dirty="0" smtClean="0"/>
+              <a:t>(&lt;type&gt; var1, &lt;type&gt; var2, …) {</a:t>
+            </a:r>
+          </a:p>
+          <a:p>
+            <a:pPr lvl="1">
+              <a:buNone/>
+            </a:pPr>
+            <a:r>
+              <a:rPr lang="en-US" altLang="zh-CN" dirty="0" smtClean="0"/>
+              <a:t>     // </a:t>
+            </a:r>
+            <a:r>
+              <a:rPr lang="zh-CN" altLang="en-US" dirty="0" smtClean="0"/>
+              <a:t>相应的实现</a:t>
+            </a:r>
+            <a:r>
+              <a:rPr lang="en-US" altLang="zh-CN" dirty="0" smtClean="0"/>
+              <a:t>  </a:t>
+            </a:r>
+          </a:p>
+          <a:p>
+            <a:pPr lvl="1">
+              <a:buNone/>
+            </a:pPr>
+            <a:r>
+              <a:rPr lang="en-US" altLang="zh-CN" dirty="0" smtClean="0"/>
+              <a:t>    }</a:t>
+            </a:r>
+          </a:p>
+          <a:p>
+            <a:pPr>
+              <a:buNone/>
+            </a:pPr>
+            <a:r>
+              <a:rPr lang="en-US" altLang="zh-CN" dirty="0" smtClean="0"/>
+              <a:t>}</a:t>
+            </a:r>
+          </a:p>
+          <a:p>
+            <a:pPr>
+              <a:buNone/>
+            </a:pPr>
+            <a:r>
+              <a:rPr lang="en-US" altLang="zh-CN" dirty="0" smtClean="0"/>
+              <a:t> </a:t>
+            </a:r>
+            <a:r>
+              <a:rPr lang="zh-CN" altLang="en-US" dirty="0" smtClean="0"/>
+              <a:t>其</a:t>
+            </a:r>
+            <a:r>
+              <a:rPr lang="zh-CN" altLang="en-US" dirty="0" smtClean="0"/>
+              <a:t>中，</a:t>
+            </a:r>
+            <a:r>
+              <a:rPr lang="en-US" altLang="zh-CN" dirty="0" smtClean="0"/>
+              <a:t>&lt;</a:t>
+            </a:r>
+            <a:r>
+              <a:rPr lang="en-US" altLang="zh-CN" dirty="0" err="1" smtClean="0"/>
+              <a:t>accessor_keyword</a:t>
+            </a:r>
+            <a:r>
+              <a:rPr lang="en-US" altLang="zh-CN" dirty="0" smtClean="0"/>
+              <a:t>&gt; </a:t>
+            </a:r>
+            <a:r>
+              <a:rPr lang="zh-CN" altLang="en-US" dirty="0" smtClean="0"/>
+              <a:t>可以是 </a:t>
+            </a:r>
+            <a:r>
+              <a:rPr lang="en-US" altLang="zh-CN" dirty="0" smtClean="0"/>
+              <a:t>private, public, protected</a:t>
+            </a:r>
+          </a:p>
+          <a:p>
+            <a:pPr>
+              <a:buNone/>
+            </a:pPr>
+            <a:r>
+              <a:rPr lang="en-US" altLang="zh-CN" dirty="0" smtClean="0"/>
+              <a:t>&lt;type&gt; </a:t>
+            </a:r>
+            <a:r>
+              <a:rPr lang="zh-CN" altLang="en-US" dirty="0" smtClean="0"/>
+              <a:t>可以是</a:t>
+            </a:r>
+            <a:r>
+              <a:rPr lang="en-US" altLang="zh-CN" dirty="0" err="1" smtClean="0"/>
+              <a:t>int</a:t>
+            </a:r>
+            <a:r>
+              <a:rPr lang="en-US" altLang="zh-CN" dirty="0" smtClean="0"/>
+              <a:t>, float, String</a:t>
+            </a:r>
+            <a:r>
+              <a:rPr lang="zh-CN" altLang="en-US" dirty="0" smtClean="0"/>
+              <a:t>等</a:t>
+            </a:r>
             <a:endParaRPr lang="zh-CN" altLang="en-US" dirty="0"/>
           </a:p>
         </p:txBody>
@@ -3586,6 +3876,516 @@
   <p:clrMapOvr>
     <a:masterClrMapping/>
   </p:clrMapOvr>
+  <p:timing>
+    <p:tnLst>
+      <p:par>
+        <p:cTn id="1" dur="indefinite" restart="never" nodeType="tmRoot"/>
+      </p:par>
+    </p:tnLst>
+  </p:timing>
+</p:sld>
+</file>
+
+<file path=ppt/slides/slide6.xml><?xml version="1.0" encoding="utf-8"?>
+<p:sld xmlns:a="http://schemas.openxmlformats.org/drawingml/2006/main" xmlns:r="http://schemas.openxmlformats.org/officeDocument/2006/relationships" xmlns:p="http://schemas.openxmlformats.org/presentationml/2006/main">
+  <p:cSld>
+    <p:spTree>
+      <p:nvGrpSpPr>
+        <p:cNvPr id="1" name=""/>
+        <p:cNvGrpSpPr/>
+        <p:nvPr/>
+      </p:nvGrpSpPr>
+      <p:grpSpPr>
+        <a:xfrm>
+          <a:off x="0" y="0"/>
+          <a:ext cx="0" cy="0"/>
+          <a:chOff x="0" y="0"/>
+          <a:chExt cx="0" cy="0"/>
+        </a:xfrm>
+      </p:grpSpPr>
+      <p:sp>
+        <p:nvSpPr>
+          <p:cNvPr id="2" name="标题 1"/>
+          <p:cNvSpPr>
+            <a:spLocks noGrp="1"/>
+          </p:cNvSpPr>
+          <p:nvPr>
+            <p:ph type="title"/>
+          </p:nvPr>
+        </p:nvSpPr>
+        <p:spPr/>
+        <p:txBody>
+          <a:bodyPr/>
+          <a:lstStyle/>
+          <a:p>
+            <a:r>
+              <a:rPr lang="zh-CN" altLang="en-US" dirty="0" smtClean="0"/>
+              <a:t>使用类代码结构</a:t>
+            </a:r>
+            <a:endParaRPr lang="zh-CN" altLang="en-US" dirty="0"/>
+          </a:p>
+        </p:txBody>
+      </p:sp>
+      <p:sp>
+        <p:nvSpPr>
+          <p:cNvPr id="3" name="内容占位符 2"/>
+          <p:cNvSpPr>
+            <a:spLocks noGrp="1"/>
+          </p:cNvSpPr>
+          <p:nvPr>
+            <p:ph idx="1"/>
+          </p:nvPr>
+        </p:nvSpPr>
+        <p:spPr/>
+        <p:txBody>
+          <a:bodyPr>
+            <a:normAutofit lnSpcReduction="10000"/>
+          </a:bodyPr>
+          <a:lstStyle/>
+          <a:p>
+            <a:pPr>
+              <a:buNone/>
+            </a:pPr>
+            <a:r>
+              <a:rPr lang="en-US" altLang="zh-CN" dirty="0" smtClean="0"/>
+              <a:t>package xxx;  // </a:t>
+            </a:r>
+            <a:r>
+              <a:rPr lang="zh-CN" altLang="en-US" dirty="0" smtClean="0"/>
+              <a:t>同一目录，无需</a:t>
+            </a:r>
+            <a:endParaRPr lang="en-US" altLang="zh-CN" dirty="0" smtClean="0"/>
+          </a:p>
+          <a:p>
+            <a:pPr>
+              <a:buNone/>
+            </a:pPr>
+            <a:r>
+              <a:rPr lang="en-US" altLang="zh-CN" dirty="0" smtClean="0"/>
+              <a:t>public class Test{</a:t>
+            </a:r>
+          </a:p>
+          <a:p>
+            <a:pPr>
+              <a:buNone/>
+            </a:pPr>
+            <a:r>
+              <a:rPr lang="en-US" altLang="zh-CN" dirty="0" smtClean="0"/>
+              <a:t>   public static void main(String </a:t>
+            </a:r>
+            <a:r>
+              <a:rPr lang="en-US" altLang="zh-CN" dirty="0" err="1" smtClean="0"/>
+              <a:t>arg</a:t>
+            </a:r>
+            <a:r>
+              <a:rPr lang="en-US" altLang="zh-CN" dirty="0" smtClean="0"/>
+              <a:t>[]){</a:t>
+            </a:r>
+          </a:p>
+          <a:p>
+            <a:pPr>
+              <a:buNone/>
+            </a:pPr>
+            <a:r>
+              <a:rPr lang="en-US" altLang="zh-CN" dirty="0" smtClean="0"/>
+              <a:t>     </a:t>
+            </a:r>
+            <a:r>
+              <a:rPr lang="en-US" altLang="zh-CN" dirty="0" err="1" smtClean="0"/>
+              <a:t>ClassName</a:t>
+            </a:r>
+            <a:r>
+              <a:rPr lang="en-US" altLang="zh-CN" dirty="0" smtClean="0"/>
+              <a:t> instance = new </a:t>
+            </a:r>
+            <a:r>
+              <a:rPr lang="en-US" altLang="zh-CN" dirty="0" err="1" smtClean="0"/>
+              <a:t>ClassName</a:t>
+            </a:r>
+            <a:r>
+              <a:rPr lang="en-US" altLang="zh-CN" dirty="0" smtClean="0"/>
+              <a:t>(arg1, arg2, …);</a:t>
+            </a:r>
+          </a:p>
+          <a:p>
+            <a:pPr>
+              <a:buNone/>
+            </a:pPr>
+            <a:r>
+              <a:rPr lang="en-US" altLang="zh-CN" dirty="0" smtClean="0"/>
+              <a:t> </a:t>
+            </a:r>
+            <a:r>
+              <a:rPr lang="en-US" altLang="zh-CN" dirty="0" smtClean="0"/>
+              <a:t>    </a:t>
+            </a:r>
+            <a:r>
+              <a:rPr lang="en-US" altLang="zh-CN" dirty="0" err="1" smtClean="0"/>
+              <a:t>instance.method_name</a:t>
+            </a:r>
+            <a:r>
+              <a:rPr lang="en-US" altLang="zh-CN" dirty="0" smtClean="0"/>
+              <a:t>();</a:t>
+            </a:r>
+            <a:endParaRPr lang="en-US" altLang="zh-CN" dirty="0" smtClean="0"/>
+          </a:p>
+          <a:p>
+            <a:pPr>
+              <a:buNone/>
+            </a:pPr>
+            <a:r>
+              <a:rPr lang="en-US" altLang="zh-CN" dirty="0" smtClean="0"/>
+              <a:t>   }</a:t>
+            </a:r>
+            <a:endParaRPr lang="en-US" altLang="zh-CN" dirty="0" smtClean="0"/>
+          </a:p>
+          <a:p>
+            <a:pPr>
+              <a:buNone/>
+            </a:pPr>
+            <a:r>
+              <a:rPr lang="en-US" altLang="zh-CN" dirty="0" smtClean="0"/>
+              <a:t>}</a:t>
+            </a:r>
+          </a:p>
+        </p:txBody>
+      </p:sp>
+    </p:spTree>
+  </p:cSld>
+  <p:clrMapOvr>
+    <a:masterClrMapping/>
+  </p:clrMapOvr>
+  <p:timing>
+    <p:tnLst>
+      <p:par>
+        <p:cTn id="1" dur="indefinite" restart="never" nodeType="tmRoot"/>
+      </p:par>
+    </p:tnLst>
+  </p:timing>
+</p:sld>
+</file>
+
+<file path=ppt/slides/slide7.xml><?xml version="1.0" encoding="utf-8"?>
+<p:sld xmlns:a="http://schemas.openxmlformats.org/drawingml/2006/main" xmlns:r="http://schemas.openxmlformats.org/officeDocument/2006/relationships" xmlns:p="http://schemas.openxmlformats.org/presentationml/2006/main">
+  <p:cSld>
+    <p:spTree>
+      <p:nvGrpSpPr>
+        <p:cNvPr id="1" name=""/>
+        <p:cNvGrpSpPr/>
+        <p:nvPr/>
+      </p:nvGrpSpPr>
+      <p:grpSpPr>
+        <a:xfrm>
+          <a:off x="0" y="0"/>
+          <a:ext cx="0" cy="0"/>
+          <a:chOff x="0" y="0"/>
+          <a:chExt cx="0" cy="0"/>
+        </a:xfrm>
+      </p:grpSpPr>
+      <p:sp>
+        <p:nvSpPr>
+          <p:cNvPr id="2" name="标题 1"/>
+          <p:cNvSpPr>
+            <a:spLocks noGrp="1"/>
+          </p:cNvSpPr>
+          <p:nvPr>
+            <p:ph type="title"/>
+          </p:nvPr>
+        </p:nvSpPr>
+        <p:spPr/>
+        <p:txBody>
+          <a:bodyPr/>
+          <a:lstStyle/>
+          <a:p>
+            <a:r>
+              <a:rPr lang="zh-CN" altLang="en-US" dirty="0" smtClean="0"/>
+              <a:t>代码结构（续）</a:t>
+            </a:r>
+            <a:endParaRPr lang="zh-CN" altLang="en-US" dirty="0"/>
+          </a:p>
+        </p:txBody>
+      </p:sp>
+      <p:pic>
+        <p:nvPicPr>
+          <p:cNvPr id="1026" name="Picture 2"/>
+          <p:cNvPicPr>
+            <a:picLocks noGrp="1" noChangeAspect="1" noChangeArrowheads="1"/>
+          </p:cNvPicPr>
+          <p:nvPr>
+            <p:ph idx="1"/>
+          </p:nvPr>
+        </p:nvPicPr>
+        <p:blipFill>
+          <a:blip r:embed="rId2" cstate="print"/>
+          <a:srcRect/>
+          <a:stretch>
+            <a:fillRect/>
+          </a:stretch>
+        </p:blipFill>
+        <p:spPr bwMode="auto">
+          <a:xfrm>
+            <a:off x="1937069" y="1600200"/>
+            <a:ext cx="5269862" cy="4525963"/>
+          </a:xfrm>
+          <a:prstGeom prst="rect">
+            <a:avLst/>
+          </a:prstGeom>
+          <a:noFill/>
+          <a:ln w="9525">
+            <a:noFill/>
+            <a:miter lim="800000"/>
+            <a:headEnd/>
+            <a:tailEnd/>
+          </a:ln>
+        </p:spPr>
+      </p:pic>
+    </p:spTree>
+  </p:cSld>
+  <p:clrMapOvr>
+    <a:masterClrMapping/>
+  </p:clrMapOvr>
+  <p:timing>
+    <p:tnLst>
+      <p:par>
+        <p:cTn id="1" dur="indefinite" restart="never" nodeType="tmRoot"/>
+      </p:par>
+    </p:tnLst>
+  </p:timing>
+</p:sld>
+</file>
+
+<file path=ppt/slides/slide8.xml><?xml version="1.0" encoding="utf-8"?>
+<p:sld xmlns:a="http://schemas.openxmlformats.org/drawingml/2006/main" xmlns:r="http://schemas.openxmlformats.org/officeDocument/2006/relationships" xmlns:p="http://schemas.openxmlformats.org/presentationml/2006/main">
+  <p:cSld>
+    <p:spTree>
+      <p:nvGrpSpPr>
+        <p:cNvPr id="1" name=""/>
+        <p:cNvGrpSpPr/>
+        <p:nvPr/>
+      </p:nvGrpSpPr>
+      <p:grpSpPr>
+        <a:xfrm>
+          <a:off x="0" y="0"/>
+          <a:ext cx="0" cy="0"/>
+          <a:chOff x="0" y="0"/>
+          <a:chExt cx="0" cy="0"/>
+        </a:xfrm>
+      </p:grpSpPr>
+      <p:sp>
+        <p:nvSpPr>
+          <p:cNvPr id="2" name="标题 1"/>
+          <p:cNvSpPr>
+            <a:spLocks noGrp="1"/>
+          </p:cNvSpPr>
+          <p:nvPr>
+            <p:ph type="title"/>
+          </p:nvPr>
+        </p:nvSpPr>
+        <p:spPr/>
+        <p:txBody>
+          <a:bodyPr/>
+          <a:lstStyle/>
+          <a:p>
+            <a:r>
+              <a:rPr lang="zh-CN" altLang="en-US" dirty="0" smtClean="0"/>
+              <a:t>代码结构（续）</a:t>
+            </a:r>
+            <a:endParaRPr lang="zh-CN" altLang="en-US" dirty="0"/>
+          </a:p>
+        </p:txBody>
+      </p:sp>
+      <p:pic>
+        <p:nvPicPr>
+          <p:cNvPr id="2050" name="Picture 2"/>
+          <p:cNvPicPr>
+            <a:picLocks noGrp="1" noChangeAspect="1" noChangeArrowheads="1"/>
+          </p:cNvPicPr>
+          <p:nvPr>
+            <p:ph idx="1"/>
+          </p:nvPr>
+        </p:nvPicPr>
+        <p:blipFill>
+          <a:blip r:embed="rId2" cstate="print"/>
+          <a:srcRect/>
+          <a:stretch>
+            <a:fillRect/>
+          </a:stretch>
+        </p:blipFill>
+        <p:spPr bwMode="auto">
+          <a:xfrm>
+            <a:off x="1676400" y="2601119"/>
+            <a:ext cx="5791200" cy="2524125"/>
+          </a:xfrm>
+          <a:prstGeom prst="rect">
+            <a:avLst/>
+          </a:prstGeom>
+          <a:noFill/>
+          <a:ln w="9525">
+            <a:noFill/>
+            <a:miter lim="800000"/>
+            <a:headEnd/>
+            <a:tailEnd/>
+          </a:ln>
+        </p:spPr>
+      </p:pic>
+    </p:spTree>
+  </p:cSld>
+  <p:clrMapOvr>
+    <a:masterClrMapping/>
+  </p:clrMapOvr>
+  <p:timing>
+    <p:tnLst>
+      <p:par>
+        <p:cTn id="1" dur="indefinite" restart="never" nodeType="tmRoot"/>
+      </p:par>
+    </p:tnLst>
+  </p:timing>
+</p:sld>
+</file>
+
+<file path=ppt/slides/slide9.xml><?xml version="1.0" encoding="utf-8"?>
+<p:sld xmlns:a="http://schemas.openxmlformats.org/drawingml/2006/main" xmlns:r="http://schemas.openxmlformats.org/officeDocument/2006/relationships" xmlns:p="http://schemas.openxmlformats.org/presentationml/2006/main">
+  <p:cSld>
+    <p:spTree>
+      <p:nvGrpSpPr>
+        <p:cNvPr id="1" name=""/>
+        <p:cNvGrpSpPr/>
+        <p:nvPr/>
+      </p:nvGrpSpPr>
+      <p:grpSpPr>
+        <a:xfrm>
+          <a:off x="0" y="0"/>
+          <a:ext cx="0" cy="0"/>
+          <a:chOff x="0" y="0"/>
+          <a:chExt cx="0" cy="0"/>
+        </a:xfrm>
+      </p:grpSpPr>
+      <p:sp>
+        <p:nvSpPr>
+          <p:cNvPr id="2" name="标题 1"/>
+          <p:cNvSpPr>
+            <a:spLocks noGrp="1"/>
+          </p:cNvSpPr>
+          <p:nvPr>
+            <p:ph type="title"/>
+          </p:nvPr>
+        </p:nvSpPr>
+        <p:spPr/>
+        <p:txBody>
+          <a:bodyPr/>
+          <a:lstStyle/>
+          <a:p>
+            <a:r>
+              <a:rPr lang="zh-CN" altLang="en-US" dirty="0" smtClean="0"/>
+              <a:t>练习</a:t>
+            </a:r>
+            <a:endParaRPr lang="zh-CN" altLang="en-US" dirty="0"/>
+          </a:p>
+        </p:txBody>
+      </p:sp>
+      <p:sp>
+        <p:nvSpPr>
+          <p:cNvPr id="3" name="内容占位符 2"/>
+          <p:cNvSpPr>
+            <a:spLocks noGrp="1"/>
+          </p:cNvSpPr>
+          <p:nvPr>
+            <p:ph idx="1"/>
+          </p:nvPr>
+        </p:nvSpPr>
+        <p:spPr>
+          <a:xfrm>
+            <a:off x="457200" y="1340768"/>
+            <a:ext cx="8229600" cy="4785395"/>
+          </a:xfrm>
+        </p:spPr>
+        <p:txBody>
+          <a:bodyPr/>
+          <a:lstStyle/>
+          <a:p>
+            <a:r>
+              <a:rPr lang="zh-CN" altLang="en-US" dirty="0" smtClean="0"/>
+              <a:t>按照上页中的要求，完成类</a:t>
+            </a:r>
+            <a:endParaRPr lang="en-US" altLang="zh-CN" dirty="0" smtClean="0"/>
+          </a:p>
+          <a:p>
+            <a:r>
+              <a:rPr lang="en-US" altLang="zh-CN" dirty="0" smtClean="0"/>
+              <a:t>Man</a:t>
+            </a:r>
+          </a:p>
+          <a:p>
+            <a:pPr lvl="1"/>
+            <a:r>
+              <a:rPr lang="zh-CN" altLang="en-US" dirty="0" smtClean="0"/>
+              <a:t>属性：姓名，年龄</a:t>
+            </a:r>
+            <a:r>
+              <a:rPr lang="zh-CN" altLang="en-US" dirty="0" smtClean="0"/>
+              <a:t>，身</a:t>
+            </a:r>
+            <a:r>
+              <a:rPr lang="zh-CN" altLang="en-US" dirty="0" smtClean="0"/>
+              <a:t>高</a:t>
+            </a:r>
+            <a:endParaRPr lang="en-US" altLang="zh-CN" dirty="0" smtClean="0"/>
+          </a:p>
+          <a:p>
+            <a:pPr lvl="1"/>
+            <a:r>
+              <a:rPr lang="zh-CN" altLang="en-US" dirty="0" smtClean="0"/>
+              <a:t>方法：获得姓名，获得性别，获得年</a:t>
+            </a:r>
+            <a:r>
+              <a:rPr lang="zh-CN" altLang="en-US" dirty="0" smtClean="0"/>
+              <a:t>龄，</a:t>
+            </a:r>
+            <a:r>
+              <a:rPr lang="zh-CN" altLang="en-US" dirty="0" smtClean="0"/>
+              <a:t>可以结婚吗，获得身</a:t>
+            </a:r>
+            <a:r>
+              <a:rPr lang="zh-CN" altLang="en-US" dirty="0" smtClean="0"/>
+              <a:t>高</a:t>
+            </a:r>
+            <a:endParaRPr lang="en-US" altLang="zh-CN" dirty="0" smtClean="0"/>
+          </a:p>
+          <a:p>
+            <a:r>
+              <a:rPr lang="zh-CN" altLang="en-US" dirty="0" smtClean="0"/>
+              <a:t>类本身是一个文件</a:t>
+            </a:r>
+            <a:endParaRPr lang="en-US" altLang="zh-CN" dirty="0" smtClean="0"/>
+          </a:p>
+          <a:p>
+            <a:r>
+              <a:rPr lang="zh-CN" altLang="en-US" dirty="0" smtClean="0"/>
+              <a:t>测</a:t>
+            </a:r>
+            <a:r>
+              <a:rPr lang="zh-CN" altLang="en-US" dirty="0" smtClean="0"/>
+              <a:t>试是一个文件</a:t>
+            </a:r>
+            <a:endParaRPr lang="en-US" altLang="zh-CN" dirty="0" smtClean="0"/>
+          </a:p>
+          <a:p>
+            <a:endParaRPr lang="zh-CN" altLang="en-US" dirty="0"/>
+          </a:p>
+        </p:txBody>
+      </p:sp>
+    </p:spTree>
+  </p:cSld>
+  <p:clrMapOvr>
+    <a:masterClrMapping/>
+  </p:clrMapOvr>
+  <p:timing>
+    <p:tnLst>
+      <p:par>
+        <p:cTn id="1" dur="indefinite" restart="never" nodeType="tmRoot"/>
+      </p:par>
+    </p:tnLst>
+  </p:timing>
 </p:sld>
 </file>
 

--- a/lesson3/class1.pptx
+++ b/lesson3/class1.pptx
@@ -14,6 +14,7 @@
     <p:sldId id="262" r:id="rId8"/>
     <p:sldId id="264" r:id="rId9"/>
     <p:sldId id="260" r:id="rId10"/>
+    <p:sldId id="265" r:id="rId11"/>
   </p:sldIdLst>
   <p:sldSz cx="9144000" cy="6858000" type="screen4x3"/>
   <p:notesSz cx="6858000" cy="9144000"/>
@@ -3124,6 +3125,376 @@
 </p:sld>
 </file>
 
+<file path=ppt/slides/slide10.xml><?xml version="1.0" encoding="utf-8"?>
+<p:sld xmlns:a="http://schemas.openxmlformats.org/drawingml/2006/main" xmlns:r="http://schemas.openxmlformats.org/officeDocument/2006/relationships" xmlns:p="http://schemas.openxmlformats.org/presentationml/2006/main">
+  <p:cSld>
+    <p:spTree>
+      <p:nvGrpSpPr>
+        <p:cNvPr id="1" name=""/>
+        <p:cNvGrpSpPr/>
+        <p:nvPr/>
+      </p:nvGrpSpPr>
+      <p:grpSpPr>
+        <a:xfrm>
+          <a:off x="0" y="0"/>
+          <a:ext cx="0" cy="0"/>
+          <a:chOff x="0" y="0"/>
+          <a:chExt cx="0" cy="0"/>
+        </a:xfrm>
+      </p:grpSpPr>
+      <p:sp>
+        <p:nvSpPr>
+          <p:cNvPr id="2" name="标题 1"/>
+          <p:cNvSpPr>
+            <a:spLocks noGrp="1"/>
+          </p:cNvSpPr>
+          <p:nvPr>
+            <p:ph type="title"/>
+          </p:nvPr>
+        </p:nvSpPr>
+        <p:spPr/>
+        <p:txBody>
+          <a:bodyPr/>
+          <a:lstStyle/>
+          <a:p>
+            <a:r>
+              <a:rPr lang="zh-CN" altLang="en-US" dirty="0" smtClean="0"/>
+              <a:t>作业</a:t>
+            </a:r>
+            <a:endParaRPr lang="zh-CN" altLang="en-US" dirty="0"/>
+          </a:p>
+        </p:txBody>
+      </p:sp>
+      <p:sp>
+        <p:nvSpPr>
+          <p:cNvPr id="3" name="内容占位符 2"/>
+          <p:cNvSpPr>
+            <a:spLocks noGrp="1"/>
+          </p:cNvSpPr>
+          <p:nvPr>
+            <p:ph idx="1"/>
+          </p:nvPr>
+        </p:nvSpPr>
+        <p:spPr>
+          <a:xfrm>
+            <a:off x="457200" y="1268760"/>
+            <a:ext cx="8229600" cy="5589240"/>
+          </a:xfrm>
+        </p:spPr>
+        <p:txBody>
+          <a:bodyPr>
+            <a:normAutofit fontScale="77500" lnSpcReduction="20000"/>
+          </a:bodyPr>
+          <a:lstStyle/>
+          <a:p>
+            <a:r>
+              <a:rPr lang="zh-CN" altLang="en-US" dirty="0" smtClean="0"/>
+              <a:t>没有</a:t>
+            </a:r>
+            <a:r>
+              <a:rPr lang="en-US" altLang="zh-CN" dirty="0" err="1" smtClean="0"/>
+              <a:t>github</a:t>
+            </a:r>
+            <a:r>
+              <a:rPr lang="zh-CN" altLang="en-US" dirty="0" smtClean="0"/>
+              <a:t>账号的学员</a:t>
+            </a:r>
+            <a:r>
+              <a:rPr lang="en-US" altLang="zh-CN" dirty="0" smtClean="0"/>
+              <a:t>(</a:t>
+            </a:r>
+            <a:r>
+              <a:rPr lang="zh-CN" altLang="en-US" dirty="0" smtClean="0"/>
+              <a:t>可请教别的同学）</a:t>
+            </a:r>
+            <a:endParaRPr lang="en-US" altLang="zh-CN" dirty="0" smtClean="0"/>
+          </a:p>
+          <a:p>
+            <a:pPr lvl="1"/>
+            <a:r>
+              <a:rPr lang="zh-CN" altLang="en-US" dirty="0" smtClean="0"/>
+              <a:t>请注册账号（并用邮件发给我）</a:t>
+            </a:r>
+            <a:endParaRPr lang="en-US" altLang="zh-CN" dirty="0" smtClean="0"/>
+          </a:p>
+          <a:p>
+            <a:pPr lvl="1"/>
+            <a:r>
+              <a:rPr lang="zh-CN" altLang="en-US" dirty="0" smtClean="0"/>
+              <a:t>创建自己的代码库</a:t>
+            </a:r>
+            <a:endParaRPr lang="en-US" altLang="zh-CN" dirty="0" smtClean="0"/>
+          </a:p>
+          <a:p>
+            <a:pPr lvl="1"/>
+            <a:r>
+              <a:rPr lang="zh-CN" altLang="en-US" dirty="0" smtClean="0"/>
+              <a:t>把自己的代码库</a:t>
+            </a:r>
+            <a:r>
+              <a:rPr lang="en-US" altLang="zh-CN" dirty="0" smtClean="0"/>
+              <a:t>clone</a:t>
+            </a:r>
+            <a:r>
+              <a:rPr lang="zh-CN" altLang="en-US" dirty="0" smtClean="0"/>
+              <a:t>到本地</a:t>
+            </a:r>
+            <a:endParaRPr lang="en-US" altLang="zh-CN" dirty="0" smtClean="0"/>
+          </a:p>
+          <a:p>
+            <a:pPr lvl="1"/>
+            <a:r>
+              <a:rPr lang="zh-CN" altLang="en-US" dirty="0" smtClean="0"/>
+              <a:t>提</a:t>
+            </a:r>
+            <a:r>
+              <a:rPr lang="zh-CN" altLang="en-US" dirty="0" smtClean="0"/>
+              <a:t>交一个内容为</a:t>
+            </a:r>
+            <a:r>
+              <a:rPr lang="en-US" altLang="zh-CN" dirty="0" smtClean="0"/>
+              <a:t>”first”</a:t>
+            </a:r>
+            <a:r>
+              <a:rPr lang="zh-CN" altLang="en-US" dirty="0" smtClean="0"/>
+              <a:t>的</a:t>
+            </a:r>
+            <a:r>
+              <a:rPr lang="en-US" altLang="zh-CN" dirty="0" err="1" smtClean="0"/>
+              <a:t>first.txt</a:t>
+            </a:r>
+            <a:r>
+              <a:rPr lang="zh-CN" altLang="en-US" dirty="0" smtClean="0"/>
+              <a:t>文件到你的代码库</a:t>
+            </a:r>
+            <a:endParaRPr lang="en-US" altLang="zh-CN" dirty="0" smtClean="0"/>
+          </a:p>
+          <a:p>
+            <a:r>
+              <a:rPr lang="zh-CN" altLang="en-US" dirty="0" smtClean="0"/>
+              <a:t>完成如下类并测试</a:t>
+            </a:r>
+            <a:endParaRPr lang="en-US" altLang="zh-CN" dirty="0" smtClean="0"/>
+          </a:p>
+          <a:p>
+            <a:pPr lvl="1"/>
+            <a:r>
+              <a:rPr lang="en-US" altLang="zh-CN" dirty="0" smtClean="0"/>
+              <a:t>Student</a:t>
+            </a:r>
+          </a:p>
+          <a:p>
+            <a:pPr lvl="2"/>
+            <a:r>
+              <a:rPr lang="zh-CN" altLang="en-US" dirty="0" smtClean="0"/>
+              <a:t>属</a:t>
+            </a:r>
+            <a:r>
+              <a:rPr lang="zh-CN" altLang="en-US" dirty="0" smtClean="0"/>
+              <a:t>性：</a:t>
+            </a:r>
+            <a:r>
+              <a:rPr lang="en-US" altLang="zh-CN" dirty="0" err="1" smtClean="0"/>
+              <a:t>name:String</a:t>
+            </a:r>
+            <a:r>
+              <a:rPr lang="en-US" altLang="zh-CN" dirty="0" smtClean="0"/>
+              <a:t>, </a:t>
+            </a:r>
+            <a:r>
+              <a:rPr lang="en-US" altLang="zh-CN" dirty="0" err="1" smtClean="0"/>
+              <a:t>grade:int</a:t>
+            </a:r>
+            <a:r>
+              <a:rPr lang="en-US" altLang="zh-CN" dirty="0" smtClean="0"/>
+              <a:t>(0,1,2,3</a:t>
+            </a:r>
+            <a:r>
+              <a:rPr lang="zh-CN" altLang="en-US" dirty="0" smtClean="0"/>
+              <a:t>分别代表一二三四年级）</a:t>
+            </a:r>
+            <a:r>
+              <a:rPr lang="en-US" altLang="zh-CN" dirty="0" smtClean="0"/>
+              <a:t>,</a:t>
+            </a:r>
+            <a:r>
+              <a:rPr lang="en-US" altLang="zh-CN" dirty="0" err="1" smtClean="0"/>
+              <a:t>major:String</a:t>
+            </a:r>
+            <a:r>
+              <a:rPr lang="en-US" altLang="zh-CN" dirty="0" smtClean="0"/>
+              <a:t>, cet4_scores: </a:t>
+            </a:r>
+            <a:r>
+              <a:rPr lang="en-US" altLang="zh-CN" dirty="0" err="1" smtClean="0"/>
+              <a:t>int</a:t>
+            </a:r>
+            <a:r>
+              <a:rPr lang="en-US" altLang="zh-CN" dirty="0" smtClean="0"/>
+              <a:t>[](</a:t>
+            </a:r>
+            <a:r>
+              <a:rPr lang="zh-CN" altLang="en-US" dirty="0" smtClean="0"/>
+              <a:t>若干次的成绩）</a:t>
+            </a:r>
+            <a:endParaRPr lang="en-US" altLang="zh-CN" dirty="0" smtClean="0"/>
+          </a:p>
+          <a:p>
+            <a:pPr lvl="2"/>
+            <a:r>
+              <a:rPr lang="zh-CN" altLang="en-US" dirty="0" smtClean="0"/>
+              <a:t>方</a:t>
+            </a:r>
+            <a:r>
+              <a:rPr lang="zh-CN" altLang="en-US" dirty="0" smtClean="0"/>
+              <a:t>法</a:t>
+            </a:r>
+            <a:endParaRPr lang="en-US" altLang="zh-CN" dirty="0" smtClean="0"/>
+          </a:p>
+          <a:p>
+            <a:pPr lvl="3"/>
+            <a:r>
+              <a:rPr lang="en-US" altLang="zh-CN" dirty="0" smtClean="0"/>
+              <a:t>void </a:t>
+            </a:r>
+            <a:r>
+              <a:rPr lang="en-US" altLang="zh-CN" dirty="0" err="1" smtClean="0"/>
+              <a:t>level_up</a:t>
+            </a:r>
+            <a:r>
+              <a:rPr lang="en-US" altLang="zh-CN" dirty="0" smtClean="0"/>
+              <a:t>(): </a:t>
+            </a:r>
+            <a:r>
+              <a:rPr lang="zh-CN" altLang="en-US" dirty="0" smtClean="0"/>
+              <a:t>升一级（例如从大一升到大二）</a:t>
+            </a:r>
+            <a:endParaRPr lang="en-US" altLang="zh-CN" dirty="0" smtClean="0"/>
+          </a:p>
+          <a:p>
+            <a:pPr lvl="3"/>
+            <a:r>
+              <a:rPr lang="en-US" altLang="zh-CN" dirty="0" err="1" smtClean="0"/>
+              <a:t>boolean</a:t>
+            </a:r>
+            <a:r>
+              <a:rPr lang="en-US" altLang="zh-CN" dirty="0" smtClean="0"/>
+              <a:t> passed_cet4(): </a:t>
+            </a:r>
+            <a:r>
+              <a:rPr lang="zh-CN" altLang="en-US" dirty="0" smtClean="0"/>
+              <a:t>是否通过</a:t>
+            </a:r>
+            <a:r>
+              <a:rPr lang="en-US" altLang="zh-CN" dirty="0" smtClean="0"/>
+              <a:t>CET4</a:t>
+            </a:r>
+            <a:r>
+              <a:rPr lang="zh-CN" altLang="en-US" dirty="0" smtClean="0"/>
+              <a:t>：只要有一次成绩大于</a:t>
+            </a:r>
+            <a:r>
+              <a:rPr lang="en-US" altLang="zh-CN" dirty="0" smtClean="0"/>
+              <a:t>461</a:t>
+            </a:r>
+          </a:p>
+          <a:p>
+            <a:pPr lvl="3"/>
+            <a:r>
+              <a:rPr lang="en-US" altLang="zh-CN" dirty="0" smtClean="0"/>
+              <a:t>void </a:t>
+            </a:r>
+            <a:r>
+              <a:rPr lang="en-US" altLang="zh-CN" dirty="0" err="1" smtClean="0"/>
+              <a:t>printInfo</a:t>
+            </a:r>
+            <a:r>
+              <a:rPr lang="en-US" altLang="zh-CN" dirty="0" smtClean="0"/>
+              <a:t>(): </a:t>
+            </a:r>
+            <a:r>
+              <a:rPr lang="zh-CN" altLang="en-US" dirty="0" smtClean="0"/>
+              <a:t>打印姓名，年级，专业，是否通过</a:t>
+            </a:r>
+            <a:r>
+              <a:rPr lang="en-US" altLang="zh-CN" dirty="0" smtClean="0"/>
+              <a:t>CET4</a:t>
+            </a:r>
+          </a:p>
+          <a:p>
+            <a:pPr lvl="2"/>
+            <a:r>
+              <a:rPr lang="zh-CN" altLang="en-US" dirty="0" smtClean="0"/>
+              <a:t>测</a:t>
+            </a:r>
+            <a:r>
+              <a:rPr lang="zh-CN" altLang="en-US" dirty="0" smtClean="0"/>
+              <a:t>试代码</a:t>
+            </a:r>
+            <a:endParaRPr lang="en-US" altLang="zh-CN" dirty="0" smtClean="0"/>
+          </a:p>
+          <a:p>
+            <a:pPr lvl="3"/>
+            <a:r>
+              <a:rPr lang="en-US" altLang="zh-CN" dirty="0" smtClean="0"/>
+              <a:t>Student s = new Student(</a:t>
+            </a:r>
+            <a:r>
+              <a:rPr lang="zh-CN" altLang="en-US" dirty="0" smtClean="0"/>
+              <a:t>参数</a:t>
+            </a:r>
+            <a:r>
+              <a:rPr lang="en-US" altLang="zh-CN" dirty="0" smtClean="0"/>
+              <a:t>);</a:t>
+            </a:r>
+          </a:p>
+          <a:p>
+            <a:pPr lvl="3"/>
+            <a:r>
+              <a:rPr lang="en-US" altLang="zh-CN" dirty="0" err="1" smtClean="0"/>
+              <a:t>s.printInfo</a:t>
+            </a:r>
+            <a:r>
+              <a:rPr lang="en-US" altLang="zh-CN" dirty="0" smtClean="0"/>
+              <a:t>();</a:t>
+            </a:r>
+          </a:p>
+          <a:p>
+            <a:pPr lvl="3"/>
+            <a:r>
+              <a:rPr lang="en-US" altLang="zh-CN" dirty="0" err="1" smtClean="0"/>
+              <a:t>s.level_up</a:t>
+            </a:r>
+            <a:r>
+              <a:rPr lang="en-US" altLang="zh-CN" dirty="0" smtClean="0"/>
+              <a:t>();</a:t>
+            </a:r>
+          </a:p>
+          <a:p>
+            <a:pPr lvl="3"/>
+            <a:r>
+              <a:rPr lang="en-US" altLang="zh-CN" dirty="0" err="1" smtClean="0"/>
+              <a:t>s.printInfo</a:t>
+            </a:r>
+            <a:r>
+              <a:rPr lang="en-US" altLang="zh-CN" dirty="0" smtClean="0"/>
+              <a:t>();</a:t>
+            </a:r>
+          </a:p>
+          <a:p>
+            <a:pPr lvl="3"/>
+            <a:endParaRPr lang="zh-CN" altLang="en-US" dirty="0"/>
+          </a:p>
+        </p:txBody>
+      </p:sp>
+    </p:spTree>
+  </p:cSld>
+  <p:clrMapOvr>
+    <a:masterClrMapping/>
+  </p:clrMapOvr>
+</p:sld>
+</file>
+
 <file path=ppt/slides/slide2.xml><?xml version="1.0" encoding="utf-8"?>
 <p:sld xmlns:a="http://schemas.openxmlformats.org/drawingml/2006/main" xmlns:r="http://schemas.openxmlformats.org/officeDocument/2006/relationships" xmlns:p="http://schemas.openxmlformats.org/presentationml/2006/main">
   <p:cSld>
@@ -3523,11 +3894,7 @@
           <a:p>
             <a:r>
               <a:rPr lang="zh-CN" altLang="en-US" dirty="0" smtClean="0"/>
-              <a:t>定</a:t>
-            </a:r>
-            <a:r>
-              <a:rPr lang="zh-CN" altLang="en-US" dirty="0" smtClean="0"/>
-              <a:t>义类代码结构</a:t>
+              <a:t>定义类代码结构</a:t>
             </a:r>
             <a:endParaRPr lang="zh-CN" altLang="en-US" dirty="0"/>
           </a:p>
@@ -3580,11 +3947,7 @@
             </a:pPr>
             <a:r>
               <a:rPr lang="en-US" altLang="zh-CN" dirty="0" smtClean="0"/>
-              <a:t>p</a:t>
-            </a:r>
-            <a:r>
-              <a:rPr lang="en-US" altLang="zh-CN" dirty="0" smtClean="0"/>
-              <a:t>ublic </a:t>
+              <a:t>public </a:t>
             </a:r>
             <a:r>
               <a:rPr lang="en-US" altLang="zh-CN" b="1" dirty="0" smtClean="0"/>
@@ -3609,11 +3972,7 @@
             </a:pPr>
             <a:r>
               <a:rPr lang="en-US" altLang="zh-CN" dirty="0" smtClean="0"/>
-              <a:t> </a:t>
-            </a:r>
-            <a:r>
-              <a:rPr lang="en-US" altLang="zh-CN" dirty="0" smtClean="0"/>
-              <a:t>       // </a:t>
+              <a:t>        // </a:t>
             </a:r>
             <a:r>
               <a:rPr lang="zh-CN" altLang="en-US" dirty="0" smtClean="0"/>
@@ -3627,11 +3986,7 @@
             </a:pPr>
             <a:r>
               <a:rPr lang="en-US" altLang="zh-CN" dirty="0" smtClean="0"/>
-              <a:t> </a:t>
-            </a:r>
-            <a:r>
-              <a:rPr lang="en-US" altLang="zh-CN" dirty="0" smtClean="0"/>
-              <a:t>       public </a:t>
+              <a:t>        public </a:t>
             </a:r>
             <a:r>
               <a:rPr lang="en-US" altLang="zh-CN" dirty="0" err="1" smtClean="0"/>
@@ -3639,15 +3994,7 @@
             </a:r>
             <a:r>
               <a:rPr lang="en-US" altLang="zh-CN" dirty="0" smtClean="0"/>
-              <a:t>(&lt;</a:t>
-            </a:r>
-            <a:r>
-              <a:rPr lang="en-US" altLang="zh-CN" dirty="0" smtClean="0"/>
-              <a:t>type&gt; var1, &lt;type&gt; var2, </a:t>
-            </a:r>
-            <a:r>
-              <a:rPr lang="en-US" altLang="zh-CN" dirty="0" smtClean="0"/>
-              <a:t>…){</a:t>
+              <a:t>(&lt;type&gt; var1, &lt;type&gt; var2, …){</a:t>
             </a:r>
           </a:p>
           <a:p>
@@ -3656,11 +4003,7 @@
             </a:pPr>
             <a:r>
               <a:rPr lang="en-US" altLang="zh-CN" dirty="0" smtClean="0"/>
-              <a:t> </a:t>
-            </a:r>
-            <a:r>
-              <a:rPr lang="en-US" altLang="zh-CN" dirty="0" smtClean="0"/>
-              <a:t>          // </a:t>
+              <a:t>           // </a:t>
             </a:r>
             <a:r>
               <a:rPr lang="zh-CN" altLang="en-US" dirty="0" smtClean="0"/>
@@ -3674,11 +4017,7 @@
             </a:pPr>
             <a:r>
               <a:rPr lang="en-US" altLang="zh-CN" dirty="0" smtClean="0"/>
-              <a:t> </a:t>
-            </a:r>
-            <a:r>
-              <a:rPr lang="en-US" altLang="zh-CN" dirty="0" smtClean="0"/>
-              <a:t>       }</a:t>
+              <a:t>        }</a:t>
             </a:r>
           </a:p>
           <a:p>
@@ -3687,11 +4026,7 @@
             </a:pPr>
             <a:r>
               <a:rPr lang="en-US" altLang="zh-CN" dirty="0" smtClean="0"/>
-              <a:t>	</a:t>
-            </a:r>
-            <a:r>
-              <a:rPr lang="en-US" altLang="zh-CN" dirty="0" smtClean="0"/>
-              <a:t>	//</a:t>
+              <a:t>		//</a:t>
             </a:r>
             <a:r>
               <a:rPr lang="zh-CN" altLang="en-US" dirty="0" smtClean="0"/>
@@ -3730,11 +4065,7 @@
             </a:pPr>
             <a:r>
               <a:rPr lang="en-US" altLang="zh-CN" dirty="0" smtClean="0"/>
-              <a:t> </a:t>
-            </a:r>
-            <a:r>
-              <a:rPr lang="en-US" altLang="zh-CN" dirty="0" smtClean="0"/>
-              <a:t>   // </a:t>
+              <a:t>    // </a:t>
             </a:r>
             <a:r>
               <a:rPr lang="zh-CN" altLang="en-US" dirty="0" smtClean="0"/>
@@ -3748,11 +4079,7 @@
             </a:pPr>
             <a:r>
               <a:rPr lang="en-US" altLang="zh-CN" dirty="0" smtClean="0"/>
-              <a:t> </a:t>
-            </a:r>
-            <a:r>
-              <a:rPr lang="en-US" altLang="zh-CN" dirty="0" smtClean="0"/>
-              <a:t>  &lt;</a:t>
+              <a:t>   &lt;</a:t>
             </a:r>
             <a:r>
               <a:rPr lang="en-US" altLang="zh-CN" dirty="0" err="1" smtClean="0"/>
@@ -3816,11 +4143,7 @@
             </a:r>
             <a:r>
               <a:rPr lang="zh-CN" altLang="en-US" dirty="0" smtClean="0"/>
-              <a:t>其</a:t>
-            </a:r>
-            <a:r>
-              <a:rPr lang="zh-CN" altLang="en-US" dirty="0" smtClean="0"/>
-              <a:t>中，</a:t>
+              <a:t>其中，</a:t>
             </a:r>
             <a:r>
               <a:rPr lang="en-US" altLang="zh-CN" dirty="0" smtClean="0"/>
@@ -4013,11 +4336,7 @@
             </a:pPr>
             <a:r>
               <a:rPr lang="en-US" altLang="zh-CN" dirty="0" smtClean="0"/>
-              <a:t> </a:t>
-            </a:r>
-            <a:r>
-              <a:rPr lang="en-US" altLang="zh-CN" dirty="0" smtClean="0"/>
-              <a:t>    </a:t>
+              <a:t>     </a:t>
             </a:r>
             <a:r>
               <a:rPr lang="en-US" altLang="zh-CN" dirty="0" err="1" smtClean="0"/>
@@ -4027,7 +4346,6 @@
               <a:rPr lang="en-US" altLang="zh-CN" dirty="0" smtClean="0"/>
               <a:t>();</a:t>
             </a:r>
-            <a:endParaRPr lang="en-US" altLang="zh-CN" dirty="0" smtClean="0"/>
           </a:p>
           <a:p>
             <a:pPr>
@@ -4037,7 +4355,6 @@
               <a:rPr lang="en-US" altLang="zh-CN" dirty="0" smtClean="0"/>
               <a:t>   }</a:t>
             </a:r>
-            <a:endParaRPr lang="en-US" altLang="zh-CN" dirty="0" smtClean="0"/>
           </a:p>
           <a:p>
             <a:pPr>
@@ -4319,15 +4636,7 @@
             <a:pPr lvl="1"/>
             <a:r>
               <a:rPr lang="zh-CN" altLang="en-US" dirty="0" smtClean="0"/>
-              <a:t>属性：姓名，年龄</a:t>
-            </a:r>
-            <a:r>
-              <a:rPr lang="zh-CN" altLang="en-US" dirty="0" smtClean="0"/>
-              <a:t>，身</a:t>
-            </a:r>
-            <a:r>
-              <a:rPr lang="zh-CN" altLang="en-US" dirty="0" smtClean="0"/>
-              <a:t>高</a:t>
+              <a:t>属性：姓名，年龄，身高</a:t>
             </a:r>
             <a:endParaRPr lang="en-US" altLang="zh-CN" dirty="0" smtClean="0"/>
           </a:p>
@@ -4335,19 +4644,7 @@
             <a:pPr lvl="1"/>
             <a:r>
               <a:rPr lang="zh-CN" altLang="en-US" dirty="0" smtClean="0"/>
-              <a:t>方法：获得姓名，获得性别，获得年</a:t>
-            </a:r>
-            <a:r>
-              <a:rPr lang="zh-CN" altLang="en-US" dirty="0" smtClean="0"/>
-              <a:t>龄，</a:t>
-            </a:r>
-            <a:r>
-              <a:rPr lang="zh-CN" altLang="en-US" dirty="0" smtClean="0"/>
-              <a:t>可以结婚吗，获得身</a:t>
-            </a:r>
-            <a:r>
-              <a:rPr lang="zh-CN" altLang="en-US" dirty="0" smtClean="0"/>
-              <a:t>高</a:t>
+              <a:t>方法：获得姓名，获得性别，获得年龄，可以结婚吗，获得身高</a:t>
             </a:r>
             <a:endParaRPr lang="en-US" altLang="zh-CN" dirty="0" smtClean="0"/>
           </a:p>
@@ -4361,11 +4658,7 @@
           <a:p>
             <a:r>
               <a:rPr lang="zh-CN" altLang="en-US" dirty="0" smtClean="0"/>
-              <a:t>测</a:t>
-            </a:r>
-            <a:r>
-              <a:rPr lang="zh-CN" altLang="en-US" dirty="0" smtClean="0"/>
-              <a:t>试是一个文件</a:t>
+              <a:t>测试是一个文件</a:t>
             </a:r>
             <a:endParaRPr lang="en-US" altLang="zh-CN" dirty="0" smtClean="0"/>
           </a:p>
